--- a/documentos/Banner_FECAP_ADS4_MARKETADA.pptx
+++ b/documentos/Banner_FECAP_ADS4_MARKETADA.pptx
@@ -4314,12 +4314,10 @@
           <a:p>
             <a:pPr algn="just" defTabSz="1258888" eaLnBrk="1" hangingPunct="1"/>
             <a:r>
-              <a:rPr lang="pt-BR" sz="3733" dirty="0"/>
+              <a:rPr lang="pt-BR" sz="3733" b="1" dirty="0">
+                <a:ea typeface="ＭＳ Ｐゴシック" pitchFamily="34" charset="-128"/>
+              </a:rPr>
               <a:t> </a:t>
-            </a:r>
-            <a:r>
-              <a:rPr lang="pt-BR" sz="2666" dirty="0"/>
-              <a:t>	 </a:t>
             </a:r>
             <a:r>
               <a:rPr lang="pt-BR" sz="2800" b="1" dirty="0" err="1">
@@ -4342,7 +4340,7 @@
             </a:pPr>
             <a:r>
               <a:rPr lang="pt-BR" sz="2400" dirty="0"/>
-              <a:t>	Quatro estudantes de Análise e Desenvolvimento de Sistemas, quatro mentes inquietas, criativas e apaixonadas por tecnologia. Unidos pela vontade de ir além, formamos o </a:t>
+              <a:t>          Cinco estudantes de Análise e Desenvolvimento de Sistemas, cinco mentes inquietas, criativas e apaixonadas por tecnologia. Unidos pela vontade de ir além, formamos o </a:t>
             </a:r>
             <a:r>
               <a:rPr lang="pt-BR" sz="2400" dirty="0" err="1"/>
@@ -4350,7 +4348,7 @@
             </a:r>
             <a:r>
               <a:rPr lang="pt-BR" sz="2400" dirty="0"/>
-              <a:t> — nome que nasceu da mistura entre estratégia, inovação e, claro, aquela pitada de ousadia que não pode faltar. Somos extrovertidos, pensamos fora da caixa e acreditamos que cada código pode contar uma história. Nosso grupo é feito de ideias que se transformam em projetos, risadas que viram soluções e sonhos que ganham forma em cada linha de programação. Se tem desafio, a </a:t>
+              <a:t>, nome que nasceu da mistura entre estratégia, inovação e, claro, aquela pitada de ousadia que não pode faltar. Somos extrovertidos, pensamos fora da caixa e acreditamos que cada código pode contar uma história. Nosso grupo é feito de ideias que se transformam em projetos, risadas que viram soluções e sonhos que ganham forma em cada linha de programação. Se tem desafio, a </a:t>
             </a:r>
             <a:r>
               <a:rPr lang="pt-BR" sz="2400" dirty="0" err="1"/>
@@ -4358,7 +4356,7 @@
             </a:r>
             <a:r>
               <a:rPr lang="pt-BR" sz="2400" dirty="0"/>
-              <a:t> aparece. E quando chega, marca presença.</a:t>
+              <a:t> aparece e quando chega, marca presença.</a:t>
             </a:r>
           </a:p>
           <a:p>
@@ -4663,7 +4661,7 @@
         <p:spPr bwMode="auto">
           <a:xfrm>
             <a:off x="14653154" y="4992305"/>
-            <a:ext cx="13284851" cy="4175054"/>
+            <a:ext cx="13284851" cy="4975401"/>
           </a:xfrm>
           <a:prstGeom prst="rect">
             <a:avLst/>
@@ -4708,6 +4706,9 @@
           </a:p>
           <a:p>
             <a:pPr algn="just" defTabSz="1678349" eaLnBrk="1" hangingPunct="1">
+              <a:lnSpc>
+                <a:spcPct val="150000"/>
+              </a:lnSpc>
               <a:spcAft>
                 <a:spcPts val="1200"/>
               </a:spcAft>
@@ -4718,19 +4719,41 @@
             </a:r>
             <a:r>
               <a:rPr lang="pt-BR" sz="2666" dirty="0"/>
-              <a:t>	</a:t>
+              <a:t>          </a:t>
             </a:r>
             <a:r>
               <a:rPr lang="pt-BR" sz="2400" dirty="0"/>
-              <a:t>  Buscamos criar uma solução que demonstre o retorno da solução da  empresa </a:t>
+              <a:t>Buscamos criar uma solução que demonstre o retorno da solução da  empresa </a:t>
             </a:r>
             <a:r>
               <a:rPr lang="pt-BR" sz="2400" dirty="0" err="1"/>
-              <a:t>Canolli</a:t>
+              <a:t>Cannoli</a:t>
             </a:r>
             <a:r>
               <a:rPr lang="pt-BR" sz="2400" dirty="0"/>
               <a:t> que convive com uma dificuldade de provar o seu valor para seu cliente.</a:t>
+            </a:r>
+          </a:p>
+          <a:p>
+            <a:pPr algn="just" defTabSz="1678349" eaLnBrk="1" hangingPunct="1">
+              <a:lnSpc>
+                <a:spcPct val="150000"/>
+              </a:lnSpc>
+              <a:spcAft>
+                <a:spcPts val="1200"/>
+              </a:spcAft>
+            </a:pPr>
+            <a:r>
+              <a:rPr lang="pt-BR" sz="2400" dirty="0"/>
+              <a:t>Buscamos responder/ demostrar que a atuação da solução da </a:t>
+            </a:r>
+            <a:r>
+              <a:rPr lang="pt-BR" sz="2400" dirty="0" err="1"/>
+              <a:t>Cannoli</a:t>
+            </a:r>
+            <a:r>
+              <a:rPr lang="pt-BR" sz="2400" dirty="0"/>
+              <a:t> gera engajamento de clientes e por consequência aumento das vendas dos restaurantes.</a:t>
             </a:r>
           </a:p>
           <a:p>
@@ -4739,26 +4762,7 @@
                 <a:spcPts val="1200"/>
               </a:spcAft>
             </a:pPr>
-            <a:r>
-              <a:rPr lang="pt-BR" sz="2400" dirty="0"/>
-              <a:t>Buscamos responder/ demostrar que a atuação da solução da </a:t>
-            </a:r>
-            <a:r>
-              <a:rPr lang="pt-BR" sz="2400" dirty="0" err="1"/>
-              <a:t>Canolli</a:t>
-            </a:r>
-            <a:r>
-              <a:rPr lang="pt-BR" sz="2400" dirty="0"/>
-              <a:t> gera engajamento de clientes e por consequência aumento das vendas dos restaurantes.</a:t>
-            </a:r>
-          </a:p>
-          <a:p>
-            <a:pPr algn="just" defTabSz="1678349" eaLnBrk="1" hangingPunct="1">
-              <a:spcAft>
-                <a:spcPts val="1200"/>
-              </a:spcAft>
-            </a:pPr>
-            <a:endParaRPr lang="pt-BR" sz="2666" dirty="0"/>
+            <a:endParaRPr lang="pt-BR" sz="2400" dirty="0"/>
           </a:p>
           <a:p>
             <a:pPr algn="just" defTabSz="1678349" eaLnBrk="1" hangingPunct="1">
@@ -4798,7 +4802,7 @@
         <p:spPr bwMode="auto">
           <a:xfrm>
             <a:off x="630353" y="33543418"/>
-            <a:ext cx="13318910" cy="1959447"/>
+            <a:ext cx="13318910" cy="3901837"/>
           </a:xfrm>
           <a:prstGeom prst="rect">
             <a:avLst/>
@@ -4842,24 +4846,31 @@
             </a:r>
           </a:p>
           <a:p>
-            <a:pPr algn="just" defTabSz="1678349" eaLnBrk="1" hangingPunct="1">
-              <a:spcAft>
-                <a:spcPts val="1200"/>
-              </a:spcAft>
+            <a:pPr algn="just">
+              <a:lnSpc>
+                <a:spcPct val="150000"/>
+              </a:lnSpc>
             </a:pPr>
             <a:r>
-              <a:rPr lang="pt-BR" sz="3733" dirty="0"/>
-              <a:t> </a:t>
-            </a:r>
-            <a:r>
-              <a:rPr lang="pt-BR" sz="2666" dirty="0"/>
-              <a:t>	</a:t>
-            </a:r>
-            <a:r>
               <a:rPr lang="pt-BR" sz="2400" dirty="0"/>
-              <a:t>  Criamos um painel informativo e interativo que consome dados do nosso cliente e cria clusters de tipos de clientes e aberturas das informações sobre ticket, receita, alertas de clientes que precisam de alguma atenção para manter o engajamento.</a:t>
-            </a:r>
-            <a:endParaRPr lang="pt-BR" sz="2666" dirty="0"/>
+              <a:t>           A solução busca entender melhor o comportamento dos clientes e direcionar ações de marketing mais eficazes. Utilizamos a Análise RFM para medir </a:t>
+            </a:r>
+            <a:r>
+              <a:rPr lang="pt-BR" sz="2400" dirty="0" err="1"/>
+              <a:t>recência</a:t>
+            </a:r>
+            <a:r>
+              <a:rPr lang="pt-BR" sz="2400" dirty="0"/>
+              <a:t>, frequência e valor gasto, identificando o nível de engajamento de cada cliente. Com esses dados, aplicamos o algoritmo K-</a:t>
+            </a:r>
+            <a:r>
+              <a:rPr lang="pt-BR" sz="2400" dirty="0" err="1"/>
+              <a:t>Means</a:t>
+            </a:r>
+            <a:r>
+              <a:rPr lang="pt-BR" sz="2400" dirty="0"/>
+              <a:t>, que agrupou automaticamente os clientes em quatro perfis: VIP, Leais, Em Risco e Novos. Esses grupos permitem criar campanhas personalizadas, aumentando a retenção, as vendas recorrentes e a eficiência dos investimentos em marketing.</a:t>
+            </a:r>
           </a:p>
         </p:txBody>
       </p:sp>
@@ -5064,7 +5075,7 @@
         <p:spPr bwMode="auto">
           <a:xfrm>
             <a:off x="14646784" y="33543418"/>
-            <a:ext cx="12408355" cy="1959447"/>
+            <a:ext cx="12408355" cy="3070841"/>
           </a:xfrm>
           <a:prstGeom prst="rect">
             <a:avLst/>
@@ -5109,29 +5120,35 @@
           </a:p>
           <a:p>
             <a:pPr algn="just" defTabSz="1678349" eaLnBrk="1" hangingPunct="1">
-              <a:spcAft>
-                <a:spcPts val="1200"/>
-              </a:spcAft>
+              <a:lnSpc>
+                <a:spcPct val="150000"/>
+              </a:lnSpc>
             </a:pPr>
             <a:r>
-              <a:rPr lang="pt-BR" sz="3733" dirty="0"/>
-              <a:t> </a:t>
-            </a:r>
-            <a:r>
-              <a:rPr lang="pt-BR" sz="2666" dirty="0"/>
-              <a:t>	  </a:t>
+              <a:rPr lang="pt-BR" sz="3600" b="1" dirty="0">
+                <a:ea typeface="ＭＳ Ｐゴシック" pitchFamily="34" charset="-128"/>
+              </a:rPr>
+              <a:t>          </a:t>
             </a:r>
             <a:r>
               <a:rPr lang="pt-BR" sz="2400" dirty="0"/>
-              <a:t>O futuro do projeto contempla uma série de melhorias e inovações pensadas para ampliar seu impacto. Entre elas a implementação de um Chat </a:t>
+              <a:t>O futuro do projeto contempla uma série de melhorias e inovações pensadas para ampliar seu impacto. Entre elas a implementação de um </a:t>
             </a:r>
             <a:r>
               <a:rPr lang="pt-BR" sz="2400" dirty="0" err="1"/>
-              <a:t>bot</a:t>
+              <a:t>chatbot</a:t>
             </a:r>
             <a:r>
               <a:rPr lang="pt-BR" sz="2400" dirty="0"/>
-              <a:t> que responda à questões sobre campanhas e as sugira de forma automática.</a:t>
+              <a:t> que responda à questões sobre campanhas e as sugira de forma automática e implementação de app mobile </a:t>
+            </a:r>
+            <a:r>
+              <a:rPr lang="pt-BR" sz="2400"/>
+              <a:t>em IOS </a:t>
+            </a:r>
+            <a:r>
+              <a:rPr lang="pt-BR" sz="2400" dirty="0"/>
+              <a:t>e Android.</a:t>
             </a:r>
             <a:endParaRPr lang="pt-BR" sz="2666" dirty="0"/>
           </a:p>
@@ -7287,26 +7304,6 @@
 </file>
 
 <file path=customXml/item1.xml><?xml version="1.0" encoding="utf-8"?>
-<p:properties xmlns:p="http://schemas.microsoft.com/office/2006/metadata/properties" xmlns:xsi="http://www.w3.org/2001/XMLSchema-instance" xmlns:pc="http://schemas.microsoft.com/office/infopath/2007/PartnerControls">
-  <documentManagement>
-    <lcf76f155ced4ddcb4097134ff3c332f xmlns="8ca2a57e-8138-4b57-956a-eb6e2c7049cc">
-      <Terms xmlns="http://schemas.microsoft.com/office/infopath/2007/PartnerControls"/>
-    </lcf76f155ced4ddcb4097134ff3c332f>
-    <TaxCatchAll xmlns="1d2798d9-1030-4cc5-be7b-200f9e628651" xsi:nil="true"/>
-  </documentManagement>
-</p:properties>
-</file>
-
-<file path=customXml/item2.xml><?xml version="1.0" encoding="utf-8"?>
-<?mso-contentType ?>
-<FormTemplates xmlns="http://schemas.microsoft.com/sharepoint/v3/contenttype/forms">
-  <Display>DocumentLibraryForm</Display>
-  <Edit>DocumentLibraryForm</Edit>
-  <New>DocumentLibraryForm</New>
-</FormTemplates>
-</file>
-
-<file path=customXml/item3.xml><?xml version="1.0" encoding="utf-8"?>
 <ct:contentTypeSchema xmlns:ct="http://schemas.microsoft.com/office/2006/metadata/contentType" xmlns:ma="http://schemas.microsoft.com/office/2006/metadata/properties/metaAttributes" ct:_="" ma:_="" ma:contentTypeName="Documento" ma:contentTypeID="0x01010045364877AF745B4281652B53F43C594A" ma:contentTypeVersion="15" ma:contentTypeDescription="Crie um novo documento." ma:contentTypeScope="" ma:versionID="440a6fbbcbce65e3f8e2bed610644788">
   <xsd:schema xmlns:xsd="http://www.w3.org/2001/XMLSchema" xmlns:xs="http://www.w3.org/2001/XMLSchema" xmlns:p="http://schemas.microsoft.com/office/2006/metadata/properties" xmlns:ns2="1d2798d9-1030-4cc5-be7b-200f9e628651" xmlns:ns3="8ca2a57e-8138-4b57-956a-eb6e2c7049cc" targetNamespace="http://schemas.microsoft.com/office/2006/metadata/properties" ma:root="true" ma:fieldsID="3ff20d9b6411658b7762fa2c08d7e1af" ns2:_="" ns3:_="">
     <xsd:import namespace="1d2798d9-1030-4cc5-be7b-200f9e628651"/>
@@ -7541,32 +7538,27 @@
 </ct:contentTypeSchema>
 </file>
 
-<file path=customXml/itemProps1.xml><?xml version="1.0" encoding="utf-8"?>
-<ds:datastoreItem xmlns:ds="http://schemas.openxmlformats.org/officeDocument/2006/customXml" ds:itemID="{8C580D08-C850-4D98-9BB0-6190D1509D8A}">
-  <ds:schemaRefs>
-    <ds:schemaRef ds:uri="http://schemas.microsoft.com/office/2006/documentManagement/types"/>
-    <ds:schemaRef ds:uri="http://purl.org/dc/elements/1.1/"/>
-    <ds:schemaRef ds:uri="http://purl.org/dc/dcmitype/"/>
-    <ds:schemaRef ds:uri="http://purl.org/dc/terms/"/>
-    <ds:schemaRef ds:uri="http://www.w3.org/XML/1998/namespace"/>
-    <ds:schemaRef ds:uri="http://schemas.microsoft.com/office/infopath/2007/PartnerControls"/>
-    <ds:schemaRef ds:uri="http://schemas.openxmlformats.org/package/2006/metadata/core-properties"/>
-    <ds:schemaRef ds:uri="8ca2a57e-8138-4b57-956a-eb6e2c7049cc"/>
-    <ds:schemaRef ds:uri="1d2798d9-1030-4cc5-be7b-200f9e628651"/>
-    <ds:schemaRef ds:uri="http://schemas.microsoft.com/office/2006/metadata/properties"/>
-  </ds:schemaRefs>
-</ds:datastoreItem>
+<file path=customXml/item2.xml><?xml version="1.0" encoding="utf-8"?>
+<?mso-contentType ?>
+<FormTemplates xmlns="http://schemas.microsoft.com/sharepoint/v3/contenttype/forms">
+  <Display>DocumentLibraryForm</Display>
+  <Edit>DocumentLibraryForm</Edit>
+  <New>DocumentLibraryForm</New>
+</FormTemplates>
 </file>
 
-<file path=customXml/itemProps2.xml><?xml version="1.0" encoding="utf-8"?>
-<ds:datastoreItem xmlns:ds="http://schemas.openxmlformats.org/officeDocument/2006/customXml" ds:itemID="{20511531-72C6-41EA-909D-35A50B0891E1}">
-  <ds:schemaRefs>
-    <ds:schemaRef ds:uri="http://schemas.microsoft.com/sharepoint/v3/contenttype/forms"/>
-  </ds:schemaRefs>
-</ds:datastoreItem>
+<file path=customXml/item3.xml><?xml version="1.0" encoding="utf-8"?>
+<p:properties xmlns:p="http://schemas.microsoft.com/office/2006/metadata/properties" xmlns:xsi="http://www.w3.org/2001/XMLSchema-instance" xmlns:pc="http://schemas.microsoft.com/office/infopath/2007/PartnerControls">
+  <documentManagement>
+    <lcf76f155ced4ddcb4097134ff3c332f xmlns="8ca2a57e-8138-4b57-956a-eb6e2c7049cc">
+      <Terms xmlns="http://schemas.microsoft.com/office/infopath/2007/PartnerControls"/>
+    </lcf76f155ced4ddcb4097134ff3c332f>
+    <TaxCatchAll xmlns="1d2798d9-1030-4cc5-be7b-200f9e628651" xsi:nil="true"/>
+  </documentManagement>
+</p:properties>
 </file>
 
-<file path=customXml/itemProps3.xml><?xml version="1.0" encoding="utf-8"?>
+<file path=customXml/itemProps1.xml><?xml version="1.0" encoding="utf-8"?>
 <ds:datastoreItem xmlns:ds="http://schemas.openxmlformats.org/officeDocument/2006/customXml" ds:itemID="{B0583F25-0BD0-426F-9D18-6079E5A02729}">
   <ds:schemaRefs>
     <ds:schemaRef ds:uri="http://schemas.microsoft.com/office/2006/metadata/contentType"/>
@@ -7583,4 +7575,29 @@
     <ds:schemaRef ds:uri="http://schemas.microsoft.com/internal/obd"/>
   </ds:schemaRefs>
 </ds:datastoreItem>
+</file>
+
+<file path=customXml/itemProps2.xml><?xml version="1.0" encoding="utf-8"?>
+<ds:datastoreItem xmlns:ds="http://schemas.openxmlformats.org/officeDocument/2006/customXml" ds:itemID="{20511531-72C6-41EA-909D-35A50B0891E1}">
+  <ds:schemaRefs>
+    <ds:schemaRef ds:uri="http://schemas.microsoft.com/sharepoint/v3/contenttype/forms"/>
+  </ds:schemaRefs>
+</ds:datastoreItem>
+</file>
+
+<file path=customXml/itemProps3.xml><?xml version="1.0" encoding="utf-8"?>
+<ds:datastoreItem xmlns:ds="http://schemas.openxmlformats.org/officeDocument/2006/customXml" ds:itemID="{8C580D08-C850-4D98-9BB0-6190D1509D8A}">
+  <ds:schemaRefs>
+    <ds:schemaRef ds:uri="http://schemas.microsoft.com/office/2006/documentManagement/types"/>
+    <ds:schemaRef ds:uri="http://purl.org/dc/dcmitype/"/>
+    <ds:schemaRef ds:uri="http://purl.org/dc/terms/"/>
+    <ds:schemaRef ds:uri="8ca2a57e-8138-4b57-956a-eb6e2c7049cc"/>
+    <ds:schemaRef ds:uri="http://schemas.microsoft.com/office/2006/metadata/properties"/>
+    <ds:schemaRef ds:uri="1d2798d9-1030-4cc5-be7b-200f9e628651"/>
+    <ds:schemaRef ds:uri="http://purl.org/dc/elements/1.1/"/>
+    <ds:schemaRef ds:uri="http://schemas.microsoft.com/office/infopath/2007/PartnerControls"/>
+    <ds:schemaRef ds:uri="http://schemas.openxmlformats.org/package/2006/metadata/core-properties"/>
+    <ds:schemaRef ds:uri="http://www.w3.org/XML/1998/namespace"/>
+  </ds:schemaRefs>
+</ds:datastoreItem>
 </file>